--- a/PD/Elevator pitch.pptx
+++ b/PD/Elevator pitch.pptx
@@ -110,6 +110,11 @@
       </a:defRPr>
     </a:lvl9pPr>
   </p:defaultTextStyle>
+  <p:extLst>
+    <p:ext uri="{EFAFB233-063F-42B5-8137-9DF3F51BA10A}">
+      <p15:sldGuideLst xmlns:p15="http://schemas.microsoft.com/office/powerpoint/2012/main"/>
+    </p:ext>
+  </p:extLst>
 </p:presentation>
 </file>
 
@@ -283,7 +288,7 @@
           <a:p>
             <a:fld id="{48A87A34-81AB-432B-8DAE-1953F412C126}" type="datetimeFigureOut">
               <a:rPr lang="en-US" dirty="0"/>
-              <a:t>7/20/2020</a:t>
+              <a:t>7/21/2020</a:t>
             </a:fld>
             <a:endParaRPr lang="en-US" dirty="0"/>
           </a:p>
@@ -545,7 +550,7 @@
           <a:p>
             <a:fld id="{48A87A34-81AB-432B-8DAE-1953F412C126}" type="datetimeFigureOut">
               <a:rPr lang="en-US" dirty="0"/>
-              <a:t>7/20/2020</a:t>
+              <a:t>7/21/2020</a:t>
             </a:fld>
             <a:endParaRPr lang="en-US" dirty="0"/>
           </a:p>
@@ -772,7 +777,7 @@
             <a:fld id="{48A87A34-81AB-432B-8DAE-1953F412C126}" type="datetimeFigureOut">
               <a:rPr lang="en-US" dirty="0"/>
               <a:pPr/>
-              <a:t>7/20/2020</a:t>
+              <a:t>7/21/2020</a:t>
             </a:fld>
             <a:endParaRPr lang="en-US" dirty="0"/>
           </a:p>
@@ -1078,7 +1083,7 @@
             <a:fld id="{48A87A34-81AB-432B-8DAE-1953F412C126}" type="datetimeFigureOut">
               <a:rPr lang="en-US" dirty="0"/>
               <a:pPr/>
-              <a:t>7/20/2020</a:t>
+              <a:t>7/21/2020</a:t>
             </a:fld>
             <a:endParaRPr lang="en-US" dirty="0"/>
           </a:p>
@@ -1547,7 +1552,7 @@
             <a:fld id="{48A87A34-81AB-432B-8DAE-1953F412C126}" type="datetimeFigureOut">
               <a:rPr lang="en-US" dirty="0"/>
               <a:pPr/>
-              <a:t>7/20/2020</a:t>
+              <a:t>7/21/2020</a:t>
             </a:fld>
             <a:endParaRPr lang="en-US" dirty="0"/>
           </a:p>
@@ -2089,7 +2094,7 @@
           <a:p>
             <a:fld id="{48A87A34-81AB-432B-8DAE-1953F412C126}" type="datetimeFigureOut">
               <a:rPr lang="en-US" dirty="0"/>
-              <a:t>7/20/2020</a:t>
+              <a:t>7/21/2020</a:t>
             </a:fld>
             <a:endParaRPr lang="en-US" dirty="0"/>
           </a:p>
@@ -2858,7 +2863,7 @@
           <a:p>
             <a:fld id="{48A87A34-81AB-432B-8DAE-1953F412C126}" type="datetimeFigureOut">
               <a:rPr lang="en-US" dirty="0"/>
-              <a:t>7/20/2020</a:t>
+              <a:t>7/21/2020</a:t>
             </a:fld>
             <a:endParaRPr lang="en-US" dirty="0"/>
           </a:p>
@@ -3028,7 +3033,7 @@
           <a:p>
             <a:fld id="{48A87A34-81AB-432B-8DAE-1953F412C126}" type="datetimeFigureOut">
               <a:rPr lang="en-US" dirty="0"/>
-              <a:t>7/20/2020</a:t>
+              <a:t>7/21/2020</a:t>
             </a:fld>
             <a:endParaRPr lang="en-US" dirty="0"/>
           </a:p>
@@ -3247,7 +3252,7 @@
             <a:fld id="{48A87A34-81AB-432B-8DAE-1953F412C126}" type="datetimeFigureOut">
               <a:rPr lang="en-US" dirty="0"/>
               <a:pPr/>
-              <a:t>7/20/2020</a:t>
+              <a:t>7/21/2020</a:t>
             </a:fld>
             <a:endParaRPr lang="en-US" dirty="0"/>
           </a:p>
@@ -3422,7 +3427,7 @@
           <a:p>
             <a:fld id="{48A87A34-81AB-432B-8DAE-1953F412C126}" type="datetimeFigureOut">
               <a:rPr lang="en-US" dirty="0"/>
-              <a:t>7/20/2020</a:t>
+              <a:t>7/21/2020</a:t>
             </a:fld>
             <a:endParaRPr lang="en-US" dirty="0"/>
           </a:p>
@@ -3707,7 +3712,7 @@
             <a:fld id="{48A87A34-81AB-432B-8DAE-1953F412C126}" type="datetimeFigureOut">
               <a:rPr lang="en-US" dirty="0"/>
               <a:pPr/>
-              <a:t>7/20/2020</a:t>
+              <a:t>7/21/2020</a:t>
             </a:fld>
             <a:endParaRPr lang="en-US" dirty="0"/>
           </a:p>
@@ -3944,7 +3949,7 @@
           <a:p>
             <a:fld id="{48A87A34-81AB-432B-8DAE-1953F412C126}" type="datetimeFigureOut">
               <a:rPr lang="en-US" dirty="0"/>
-              <a:t>7/20/2020</a:t>
+              <a:t>7/21/2020</a:t>
             </a:fld>
             <a:endParaRPr lang="en-US" dirty="0"/>
           </a:p>
@@ -4318,7 +4323,7 @@
           <a:p>
             <a:fld id="{48A87A34-81AB-432B-8DAE-1953F412C126}" type="datetimeFigureOut">
               <a:rPr lang="en-US" dirty="0"/>
-              <a:t>7/20/2020</a:t>
+              <a:t>7/21/2020</a:t>
             </a:fld>
             <a:endParaRPr lang="en-US" dirty="0"/>
           </a:p>
@@ -4431,7 +4436,7 @@
           <a:p>
             <a:fld id="{48A87A34-81AB-432B-8DAE-1953F412C126}" type="datetimeFigureOut">
               <a:rPr lang="en-US" dirty="0"/>
-              <a:t>7/20/2020</a:t>
+              <a:t>7/21/2020</a:t>
             </a:fld>
             <a:endParaRPr lang="en-US" dirty="0"/>
           </a:p>
@@ -4521,7 +4526,7 @@
           <a:p>
             <a:fld id="{48A87A34-81AB-432B-8DAE-1953F412C126}" type="datetimeFigureOut">
               <a:rPr lang="en-US" dirty="0"/>
-              <a:t>7/20/2020</a:t>
+              <a:t>7/21/2020</a:t>
             </a:fld>
             <a:endParaRPr lang="en-US" dirty="0"/>
           </a:p>
@@ -4765,7 +4770,7 @@
           <a:p>
             <a:fld id="{48A87A34-81AB-432B-8DAE-1953F412C126}" type="datetimeFigureOut">
               <a:rPr lang="en-US" dirty="0"/>
-              <a:t>7/20/2020</a:t>
+              <a:t>7/21/2020</a:t>
             </a:fld>
             <a:endParaRPr lang="en-US" dirty="0"/>
           </a:p>
@@ -5017,7 +5022,7 @@
           <a:p>
             <a:fld id="{48A87A34-81AB-432B-8DAE-1953F412C126}" type="datetimeFigureOut">
               <a:rPr lang="en-US" dirty="0"/>
-              <a:t>7/20/2020</a:t>
+              <a:t>7/21/2020</a:t>
             </a:fld>
             <a:endParaRPr lang="en-US" dirty="0"/>
           </a:p>
@@ -5256,7 +5261,7 @@
             <a:fld id="{48A87A34-81AB-432B-8DAE-1953F412C126}" type="datetimeFigureOut">
               <a:rPr lang="en-US" dirty="0"/>
               <a:pPr/>
-              <a:t>7/20/2020</a:t>
+              <a:t>7/21/2020</a:t>
             </a:fld>
             <a:endParaRPr lang="en-US" dirty="0"/>
           </a:p>
@@ -5830,7 +5835,7 @@
           <a:p>
             <a:r>
               <a:rPr lang="en-US" dirty="0"/>
-              <a:t>Strategy Game Complexity is hard for heuristics</a:t>
+              <a:t>Handle complex strategy with extremely high branching factor</a:t>
             </a:r>
           </a:p>
         </p:txBody>
@@ -5942,7 +5947,7 @@
             </a:r>
             <a:r>
               <a:rPr lang="en-US" dirty="0"/>
-              <a:t> a PPF would be Buy Attacks in Buy phase</a:t>
+              <a:t> a PPF would be Buy (Attack or Defense or Econ) Units in Buy phase</a:t>
             </a:r>
           </a:p>
           <a:p>
@@ -5990,7 +5995,14 @@
             <a:pPr lvl="1"/>
             <a:r>
               <a:rPr lang="en-US" dirty="0"/>
-              <a:t>High Level Search Algorithm (MCTS, Alpha Beta, Random, etc.)</a:t>
+              <a:t>High Level Search Algorithm </a:t>
+            </a:r>
+          </a:p>
+          <a:p>
+            <a:pPr lvl="2"/>
+            <a:r>
+              <a:rPr lang="en-US" dirty="0"/>
+              <a:t>Monte Carlo Tree Search (MCTS), Alpha Beta, Random, etc.</a:t>
             </a:r>
           </a:p>
           <a:p>
@@ -6097,7 +6109,7 @@
           <a:p>
             <a:r>
               <a:rPr lang="en-US" dirty="0"/>
-              <a:t>Search isn’t limited to game behavior as in QA testing</a:t>
+              <a:t>Search isn’t limited to game behavior (QA or stress testing)</a:t>
             </a:r>
           </a:p>
           <a:p>
@@ -6192,7 +6204,7 @@
           <a:p>
             <a:r>
               <a:rPr lang="en-US" dirty="0"/>
-              <a:t>Lead Gameplay Programmer on </a:t>
+              <a:t>Lead AI Programmer on </a:t>
             </a:r>
             <a:r>
               <a:rPr lang="en-US" dirty="0" err="1"/>
@@ -6206,7 +6218,7 @@
           <a:p>
             <a:r>
               <a:rPr lang="en-US" dirty="0"/>
-              <a:t>TFT has no AI but it could easily add one</a:t>
+              <a:t>TFT has no AI but it could add one for tutorial purposes</a:t>
             </a:r>
           </a:p>
           <a:p>
@@ -6304,47 +6316,31 @@
           <a:p>
             <a:r>
               <a:rPr lang="en-US" dirty="0"/>
-              <a:t>How is testing done for </a:t>
-            </a:r>
-            <a:r>
-              <a:rPr lang="en-US" dirty="0" err="1"/>
-              <a:t>Teamfight</a:t>
-            </a:r>
-            <a:r>
-              <a:rPr lang="en-US" dirty="0"/>
-              <a:t> Tactics?</a:t>
-            </a:r>
-          </a:p>
-          <a:p>
-            <a:r>
-              <a:rPr lang="en-US" dirty="0"/>
-              <a:t>How challenging would an AI be for </a:t>
-            </a:r>
-            <a:r>
-              <a:rPr lang="en-US" dirty="0" err="1"/>
-              <a:t>Teamfight</a:t>
-            </a:r>
-            <a:r>
-              <a:rPr lang="en-US" dirty="0"/>
-              <a:t> Tactics?</a:t>
-            </a:r>
-          </a:p>
-          <a:p>
-            <a:r>
-              <a:rPr lang="en-US" dirty="0"/>
-              <a:t>What do you think of breaking up each area of choice into its own portfolio?</a:t>
-            </a:r>
-          </a:p>
-          <a:p>
-            <a:r>
-              <a:rPr lang="en-US" dirty="0"/>
-              <a:t>Do you think HPS would be useful for testing at different skill levels?</a:t>
-            </a:r>
-          </a:p>
-          <a:p>
-            <a:r>
-              <a:rPr lang="en-US" dirty="0"/>
-              <a:t>Could you use HPS for patch balancing?</a:t>
+              <a:t>Do you think HPS would be useful for playtesting at different skill levels for TFT?</a:t>
+            </a:r>
+          </a:p>
+          <a:p>
+            <a:r>
+              <a:rPr lang="en-US" dirty="0"/>
+              <a:t>Could you use HPS for patch balancing? New character sets?</a:t>
+            </a:r>
+          </a:p>
+          <a:p>
+            <a:r>
+              <a:rPr lang="en-US" dirty="0"/>
+              <a:t>How is testing done for TFT?</a:t>
+            </a:r>
+          </a:p>
+          <a:p>
+            <a:r>
+              <a:rPr lang="en-US" dirty="0"/>
+              <a:t>How challenging would an AI be for TFT?</a:t>
+            </a:r>
+          </a:p>
+          <a:p>
+            <a:r>
+              <a:rPr lang="en-US" dirty="0"/>
+              <a:t>Would TFT ever have a single player mode to play against AI?</a:t>
             </a:r>
           </a:p>
         </p:txBody>
@@ -6436,20 +6432,6 @@
           <a:p>
             <a:r>
               <a:rPr lang="en-US" dirty="0"/>
-              <a:t>Thesis on using MCTS for hidden information deckbuilding game (similar to </a:t>
-            </a:r>
-            <a:r>
-              <a:rPr lang="en-US" dirty="0" err="1"/>
-              <a:t>tft</a:t>
-            </a:r>
-            <a:r>
-              <a:rPr lang="en-US" dirty="0"/>
-              <a:t>)</a:t>
-            </a:r>
-          </a:p>
-          <a:p>
-            <a:r>
-              <a:rPr lang="en-US" dirty="0"/>
               <a:t>Worked on multiple games that made it to Steam</a:t>
             </a:r>
           </a:p>
@@ -6461,7 +6443,20 @@
             </a:r>
             <a:r>
               <a:rPr lang="en-US" dirty="0"/>
-              <a:t>, Crystal Call</a:t>
+              <a:t>, Crystal Call </a:t>
+            </a:r>
+          </a:p>
+          <a:p>
+            <a:r>
+              <a:rPr lang="en-US" dirty="0"/>
+              <a:t>Thesis on using MCTS for Dominion deckbuilding game (similar to TFT)</a:t>
+            </a:r>
+          </a:p>
+          <a:p>
+            <a:pPr lvl="1"/>
+            <a:r>
+              <a:rPr lang="en-US" dirty="0"/>
+              <a:t>Used custom game engine in C++</a:t>
             </a:r>
           </a:p>
           <a:p>
@@ -6474,16 +6469,12 @@
             <a:pPr lvl="1"/>
             <a:r>
               <a:rPr lang="en-US" dirty="0"/>
-              <a:t>Interested in the development of these games and how to improve them</a:t>
-            </a:r>
-          </a:p>
-          <a:p>
-            <a:r>
-              <a:rPr lang="en-US" dirty="0"/>
-              <a:t>Played League of Legends, TFT, and Mechs vs Minions</a:t>
-            </a:r>
-          </a:p>
-          <a:p>
+              <a:t>Interested in how AI can play them and playtest </a:t>
+            </a:r>
+            <a:r>
+              <a:rPr lang="en-US"/>
+              <a:t>for them</a:t>
+            </a:r>
             <a:endParaRPr lang="en-US" dirty="0"/>
           </a:p>
         </p:txBody>
